--- a/docs/CDC 2015/final version/fig/vehicleModes.pptx
+++ b/docs/CDC 2015/final version/fig/vehicleModes.pptx
@@ -243,7 +243,7 @@
           <a:p>
             <a:fld id="{672AD7E1-AA2C-46F3-A94C-00AB04138B09}" type="datetimeFigureOut">
               <a:rPr lang="en-US" smtClean="0"/>
-              <a:t>03/22/15</a:t>
+              <a:t>12/7/15</a:t>
             </a:fld>
             <a:endParaRPr lang="en-US"/>
           </a:p>
@@ -413,7 +413,7 @@
           <a:p>
             <a:fld id="{672AD7E1-AA2C-46F3-A94C-00AB04138B09}" type="datetimeFigureOut">
               <a:rPr lang="en-US" smtClean="0"/>
-              <a:t>03/22/15</a:t>
+              <a:t>12/7/15</a:t>
             </a:fld>
             <a:endParaRPr lang="en-US"/>
           </a:p>
@@ -593,7 +593,7 @@
           <a:p>
             <a:fld id="{672AD7E1-AA2C-46F3-A94C-00AB04138B09}" type="datetimeFigureOut">
               <a:rPr lang="en-US" smtClean="0"/>
-              <a:t>03/22/15</a:t>
+              <a:t>12/7/15</a:t>
             </a:fld>
             <a:endParaRPr lang="en-US"/>
           </a:p>
@@ -763,7 +763,7 @@
           <a:p>
             <a:fld id="{672AD7E1-AA2C-46F3-A94C-00AB04138B09}" type="datetimeFigureOut">
               <a:rPr lang="en-US" smtClean="0"/>
-              <a:t>03/22/15</a:t>
+              <a:t>12/7/15</a:t>
             </a:fld>
             <a:endParaRPr lang="en-US"/>
           </a:p>
@@ -1009,7 +1009,7 @@
           <a:p>
             <a:fld id="{672AD7E1-AA2C-46F3-A94C-00AB04138B09}" type="datetimeFigureOut">
               <a:rPr lang="en-US" smtClean="0"/>
-              <a:t>03/22/15</a:t>
+              <a:t>12/7/15</a:t>
             </a:fld>
             <a:endParaRPr lang="en-US"/>
           </a:p>
@@ -1241,7 +1241,7 @@
           <a:p>
             <a:fld id="{672AD7E1-AA2C-46F3-A94C-00AB04138B09}" type="datetimeFigureOut">
               <a:rPr lang="en-US" smtClean="0"/>
-              <a:t>03/22/15</a:t>
+              <a:t>12/7/15</a:t>
             </a:fld>
             <a:endParaRPr lang="en-US"/>
           </a:p>
@@ -1608,7 +1608,7 @@
           <a:p>
             <a:fld id="{672AD7E1-AA2C-46F3-A94C-00AB04138B09}" type="datetimeFigureOut">
               <a:rPr lang="en-US" smtClean="0"/>
-              <a:t>03/22/15</a:t>
+              <a:t>12/7/15</a:t>
             </a:fld>
             <a:endParaRPr lang="en-US"/>
           </a:p>
@@ -1726,7 +1726,7 @@
           <a:p>
             <a:fld id="{672AD7E1-AA2C-46F3-A94C-00AB04138B09}" type="datetimeFigureOut">
               <a:rPr lang="en-US" smtClean="0"/>
-              <a:t>03/22/15</a:t>
+              <a:t>12/7/15</a:t>
             </a:fld>
             <a:endParaRPr lang="en-US"/>
           </a:p>
@@ -1821,7 +1821,7 @@
           <a:p>
             <a:fld id="{672AD7E1-AA2C-46F3-A94C-00AB04138B09}" type="datetimeFigureOut">
               <a:rPr lang="en-US" smtClean="0"/>
-              <a:t>03/22/15</a:t>
+              <a:t>12/7/15</a:t>
             </a:fld>
             <a:endParaRPr lang="en-US"/>
           </a:p>
@@ -2098,7 +2098,7 @@
           <a:p>
             <a:fld id="{672AD7E1-AA2C-46F3-A94C-00AB04138B09}" type="datetimeFigureOut">
               <a:rPr lang="en-US" smtClean="0"/>
-              <a:t>03/22/15</a:t>
+              <a:t>12/7/15</a:t>
             </a:fld>
             <a:endParaRPr lang="en-US"/>
           </a:p>
@@ -2355,7 +2355,7 @@
           <a:p>
             <a:fld id="{672AD7E1-AA2C-46F3-A94C-00AB04138B09}" type="datetimeFigureOut">
               <a:rPr lang="en-US" smtClean="0"/>
-              <a:t>03/22/15</a:t>
+              <a:t>12/7/15</a:t>
             </a:fld>
             <a:endParaRPr lang="en-US"/>
           </a:p>
@@ -2568,7 +2568,7 @@
           <a:p>
             <a:fld id="{672AD7E1-AA2C-46F3-A94C-00AB04138B09}" type="datetimeFigureOut">
               <a:rPr lang="en-US" smtClean="0"/>
-              <a:t>03/22/15</a:t>
+              <a:t>12/7/15</a:t>
             </a:fld>
             <a:endParaRPr lang="en-US"/>
           </a:p>
@@ -2973,983 +2973,998 @@
           <a:chExt cx="0" cy="0"/>
         </a:xfrm>
       </p:grpSpPr>
-      <p:sp>
-        <p:nvSpPr>
-          <p:cNvPr id="71" name="TextBox 70"/>
-          <p:cNvSpPr txBox="1"/>
+      <p:grpSp>
+        <p:nvGrpSpPr>
+          <p:cNvPr id="2" name="Group 1"/>
+          <p:cNvGrpSpPr/>
           <p:nvPr/>
-        </p:nvSpPr>
-        <p:spPr>
+        </p:nvGrpSpPr>
+        <p:grpSpPr>
           <a:xfrm>
-            <a:off x="0" y="2290867"/>
-            <a:ext cx="2286000" cy="1482313"/>
+            <a:off x="0" y="354741"/>
+            <a:ext cx="8844473" cy="4957103"/>
+            <a:chOff x="0" y="354741"/>
+            <a:chExt cx="8844473" cy="4957103"/>
           </a:xfrm>
-          <a:prstGeom prst="ellipse">
-            <a:avLst/>
-          </a:prstGeom>
-        </p:spPr>
-        <p:style>
-          <a:lnRef idx="2">
-            <a:schemeClr val="dk1"/>
-          </a:lnRef>
-          <a:fillRef idx="1">
-            <a:schemeClr val="lt1"/>
-          </a:fillRef>
-          <a:effectRef idx="0">
-            <a:schemeClr val="dk1"/>
-          </a:effectRef>
-          <a:fontRef idx="minor">
-            <a:schemeClr val="dk1"/>
-          </a:fontRef>
-        </p:style>
-        <p:txBody>
-          <a:bodyPr wrap="square" rtlCol="0">
-            <a:spAutoFit/>
-          </a:bodyPr>
-          <a:lstStyle/>
-          <a:p>
-            <a:r>
-              <a:rPr lang="en-US" sz="1750" dirty="0"/>
-              <a:t>Free:</a:t>
-            </a:r>
-          </a:p>
-          <a:p>
-            <a:pPr marL="178594" indent="-178594">
-              <a:buFont typeface="Arial" panose="020B0604020202020204" pitchFamily="34" charset="0"/>
-              <a:buChar char="•"/>
-            </a:pPr>
-            <a:r>
-              <a:rPr lang="en-US" sz="1500" dirty="0"/>
-              <a:t>Vehicle not in a platoon or on a highway</a:t>
-            </a:r>
-          </a:p>
-        </p:txBody>
-      </p:sp>
-      <p:sp>
-        <p:nvSpPr>
-          <p:cNvPr id="72" name="TextBox 71"/>
-          <p:cNvSpPr txBox="1"/>
-          <p:nvPr/>
-        </p:nvSpPr>
-        <p:spPr>
-          <a:xfrm>
-            <a:off x="2239432" y="841612"/>
-            <a:ext cx="2286000" cy="1157719"/>
-          </a:xfrm>
-          <a:prstGeom prst="ellipse">
-            <a:avLst/>
-          </a:prstGeom>
-        </p:spPr>
-        <p:style>
-          <a:lnRef idx="2">
-            <a:schemeClr val="dk1"/>
-          </a:lnRef>
-          <a:fillRef idx="1">
-            <a:schemeClr val="lt1"/>
-          </a:fillRef>
-          <a:effectRef idx="0">
-            <a:schemeClr val="dk1"/>
-          </a:effectRef>
-          <a:fontRef idx="minor">
-            <a:schemeClr val="dk1"/>
-          </a:fontRef>
-        </p:style>
-        <p:txBody>
-          <a:bodyPr wrap="square" rtlCol="0">
-            <a:spAutoFit/>
-          </a:bodyPr>
-          <a:lstStyle/>
-          <a:p>
-            <a:r>
-              <a:rPr lang="en-US" sz="1750" dirty="0"/>
-              <a:t>Leader</a:t>
-            </a:r>
-            <a:endParaRPr lang="en-US" sz="750" dirty="0"/>
-          </a:p>
-          <a:p>
-            <a:pPr marL="178594" indent="-178594">
-              <a:buFont typeface="Arial" panose="020B0604020202020204" pitchFamily="34" charset="0"/>
-              <a:buChar char="•"/>
-            </a:pPr>
-            <a:r>
-              <a:rPr lang="en-US" sz="1500" dirty="0"/>
-              <a:t>Leader of platoon</a:t>
-            </a:r>
-          </a:p>
-        </p:txBody>
-      </p:sp>
-      <p:sp>
-        <p:nvSpPr>
-          <p:cNvPr id="73" name="TextBox 72"/>
-          <p:cNvSpPr txBox="1"/>
-          <p:nvPr/>
-        </p:nvSpPr>
-        <p:spPr>
-          <a:xfrm>
-            <a:off x="5321627" y="2442059"/>
-            <a:ext cx="2286000" cy="1157719"/>
-          </a:xfrm>
-          <a:prstGeom prst="ellipse">
-            <a:avLst/>
-          </a:prstGeom>
-        </p:spPr>
-        <p:style>
-          <a:lnRef idx="2">
-            <a:schemeClr val="dk1"/>
-          </a:lnRef>
-          <a:fillRef idx="1">
-            <a:schemeClr val="lt1"/>
-          </a:fillRef>
-          <a:effectRef idx="0">
-            <a:schemeClr val="dk1"/>
-          </a:effectRef>
-          <a:fontRef idx="minor">
-            <a:schemeClr val="dk1"/>
-          </a:fontRef>
-        </p:style>
-        <p:txBody>
-          <a:bodyPr wrap="square" rtlCol="0">
-            <a:spAutoFit/>
-          </a:bodyPr>
-          <a:lstStyle/>
-          <a:p>
-            <a:r>
-              <a:rPr lang="en-US" sz="1750" dirty="0"/>
-              <a:t>Follower</a:t>
-            </a:r>
-          </a:p>
-          <a:p>
-            <a:pPr marL="178594" indent="-178594">
-              <a:buFont typeface="Arial" panose="020B0604020202020204" pitchFamily="34" charset="0"/>
-              <a:buChar char="•"/>
-            </a:pPr>
-            <a:r>
-              <a:rPr lang="en-US" sz="1500" dirty="0"/>
-              <a:t>Member of platoon</a:t>
-            </a:r>
-          </a:p>
-        </p:txBody>
-      </p:sp>
-      <mc:AlternateContent xmlns:mc="http://schemas.openxmlformats.org/markup-compatibility/2006">
-        <mc:Choice xmlns:a14="http://schemas.microsoft.com/office/drawing/2010/main" Requires="a14">
-          <p:sp>
-            <p:nvSpPr>
-              <p:cNvPr id="74" name="TextBox 73"/>
-              <p:cNvSpPr txBox="1"/>
-              <p:nvPr/>
-            </p:nvSpPr>
-            <p:spPr>
-              <a:xfrm>
-                <a:off x="2284080" y="4154125"/>
-                <a:ext cx="3211944" cy="1157719"/>
-              </a:xfrm>
-              <a:prstGeom prst="ellipse">
-                <a:avLst/>
-              </a:prstGeom>
-              <a:ln>
-                <a:solidFill>
-                  <a:srgbClr val="FF0000"/>
-                </a:solidFill>
-              </a:ln>
-            </p:spPr>
-            <p:style>
-              <a:lnRef idx="2">
-                <a:schemeClr val="dk1"/>
-              </a:lnRef>
-              <a:fillRef idx="1">
-                <a:schemeClr val="lt1"/>
-              </a:fillRef>
-              <a:effectRef idx="0">
-                <a:schemeClr val="dk1"/>
-              </a:effectRef>
-              <a:fontRef idx="minor">
-                <a:schemeClr val="dk1"/>
-              </a:fontRef>
-            </p:style>
-            <p:txBody>
-              <a:bodyPr wrap="square" rtlCol="0">
-                <a:spAutoFit/>
-              </a:bodyPr>
-              <a:lstStyle/>
-              <a:p>
-                <a:r>
-                  <a:rPr lang="en-US" sz="1750" dirty="0" smtClean="0">
+        </p:grpSpPr>
+        <p:sp>
+          <p:nvSpPr>
+            <p:cNvPr id="71" name="TextBox 70"/>
+            <p:cNvSpPr txBox="1"/>
+            <p:nvPr/>
+          </p:nvSpPr>
+          <p:spPr>
+            <a:xfrm>
+              <a:off x="0" y="2290867"/>
+              <a:ext cx="2286000" cy="1482313"/>
+            </a:xfrm>
+            <a:prstGeom prst="ellipse">
+              <a:avLst/>
+            </a:prstGeom>
+          </p:spPr>
+          <p:style>
+            <a:lnRef idx="2">
+              <a:schemeClr val="dk1"/>
+            </a:lnRef>
+            <a:fillRef idx="1">
+              <a:schemeClr val="lt1"/>
+            </a:fillRef>
+            <a:effectRef idx="0">
+              <a:schemeClr val="dk1"/>
+            </a:effectRef>
+            <a:fontRef idx="minor">
+              <a:schemeClr val="dk1"/>
+            </a:fontRef>
+          </p:style>
+          <p:txBody>
+            <a:bodyPr wrap="square" rtlCol="0">
+              <a:spAutoFit/>
+            </a:bodyPr>
+            <a:lstStyle/>
+            <a:p>
+              <a:r>
+                <a:rPr lang="en-US" sz="1750" dirty="0"/>
+                <a:t>Free:</a:t>
+              </a:r>
+            </a:p>
+            <a:p>
+              <a:pPr marL="178594" indent="-178594">
+                <a:buFont typeface="Arial" panose="020B0604020202020204" pitchFamily="34" charset="0"/>
+                <a:buChar char="•"/>
+              </a:pPr>
+              <a:r>
+                <a:rPr lang="en-US" sz="1500" dirty="0"/>
+                <a:t>Vehicle not in a platoon or on a highway</a:t>
+              </a:r>
+            </a:p>
+          </p:txBody>
+        </p:sp>
+        <p:sp>
+          <p:nvSpPr>
+            <p:cNvPr id="72" name="TextBox 71"/>
+            <p:cNvSpPr txBox="1"/>
+            <p:nvPr/>
+          </p:nvSpPr>
+          <p:spPr>
+            <a:xfrm>
+              <a:off x="2239432" y="841612"/>
+              <a:ext cx="2286000" cy="1157719"/>
+            </a:xfrm>
+            <a:prstGeom prst="ellipse">
+              <a:avLst/>
+            </a:prstGeom>
+          </p:spPr>
+          <p:style>
+            <a:lnRef idx="2">
+              <a:schemeClr val="dk1"/>
+            </a:lnRef>
+            <a:fillRef idx="1">
+              <a:schemeClr val="lt1"/>
+            </a:fillRef>
+            <a:effectRef idx="0">
+              <a:schemeClr val="dk1"/>
+            </a:effectRef>
+            <a:fontRef idx="minor">
+              <a:schemeClr val="dk1"/>
+            </a:fontRef>
+          </p:style>
+          <p:txBody>
+            <a:bodyPr wrap="square" rtlCol="0">
+              <a:spAutoFit/>
+            </a:bodyPr>
+            <a:lstStyle/>
+            <a:p>
+              <a:r>
+                <a:rPr lang="en-US" sz="1750" dirty="0"/>
+                <a:t>Leader</a:t>
+              </a:r>
+              <a:endParaRPr lang="en-US" sz="750" dirty="0"/>
+            </a:p>
+            <a:p>
+              <a:pPr marL="178594" indent="-178594">
+                <a:buFont typeface="Arial" panose="020B0604020202020204" pitchFamily="34" charset="0"/>
+                <a:buChar char="•"/>
+              </a:pPr>
+              <a:r>
+                <a:rPr lang="en-US" sz="1500" dirty="0"/>
+                <a:t>Leader of platoon</a:t>
+              </a:r>
+            </a:p>
+          </p:txBody>
+        </p:sp>
+        <p:sp>
+          <p:nvSpPr>
+            <p:cNvPr id="73" name="TextBox 72"/>
+            <p:cNvSpPr txBox="1"/>
+            <p:nvPr/>
+          </p:nvSpPr>
+          <p:spPr>
+            <a:xfrm>
+              <a:off x="5321627" y="2442059"/>
+              <a:ext cx="2286000" cy="1157719"/>
+            </a:xfrm>
+            <a:prstGeom prst="ellipse">
+              <a:avLst/>
+            </a:prstGeom>
+          </p:spPr>
+          <p:style>
+            <a:lnRef idx="2">
+              <a:schemeClr val="dk1"/>
+            </a:lnRef>
+            <a:fillRef idx="1">
+              <a:schemeClr val="lt1"/>
+            </a:fillRef>
+            <a:effectRef idx="0">
+              <a:schemeClr val="dk1"/>
+            </a:effectRef>
+            <a:fontRef idx="minor">
+              <a:schemeClr val="dk1"/>
+            </a:fontRef>
+          </p:style>
+          <p:txBody>
+            <a:bodyPr wrap="square" rtlCol="0">
+              <a:spAutoFit/>
+            </a:bodyPr>
+            <a:lstStyle/>
+            <a:p>
+              <a:r>
+                <a:rPr lang="en-US" sz="1750" dirty="0"/>
+                <a:t>Follower</a:t>
+              </a:r>
+            </a:p>
+            <a:p>
+              <a:pPr marL="178594" indent="-178594">
+                <a:buFont typeface="Arial" panose="020B0604020202020204" pitchFamily="34" charset="0"/>
+                <a:buChar char="•"/>
+              </a:pPr>
+              <a:r>
+                <a:rPr lang="en-US" sz="1500" dirty="0"/>
+                <a:t>Member of platoon</a:t>
+              </a:r>
+            </a:p>
+          </p:txBody>
+        </p:sp>
+        <mc:AlternateContent xmlns:mc="http://schemas.openxmlformats.org/markup-compatibility/2006" xmlns:a14="http://schemas.microsoft.com/office/drawing/2010/main">
+          <mc:Choice Requires="a14">
+            <p:sp>
+              <p:nvSpPr>
+                <p:cNvPr id="74" name="TextBox 73"/>
+                <p:cNvSpPr txBox="1"/>
+                <p:nvPr/>
+              </p:nvSpPr>
+              <p:spPr>
+                <a:xfrm>
+                  <a:off x="2284080" y="4154125"/>
+                  <a:ext cx="3211944" cy="1157719"/>
+                </a:xfrm>
+                <a:prstGeom prst="ellipse">
+                  <a:avLst/>
+                </a:prstGeom>
+                <a:ln>
+                  <a:solidFill>
+                    <a:srgbClr val="FF0000"/>
+                  </a:solidFill>
+                </a:ln>
+              </p:spPr>
+              <p:style>
+                <a:lnRef idx="2">
+                  <a:schemeClr val="dk1"/>
+                </a:lnRef>
+                <a:fillRef idx="1">
+                  <a:schemeClr val="lt1"/>
+                </a:fillRef>
+                <a:effectRef idx="0">
+                  <a:schemeClr val="dk1"/>
+                </a:effectRef>
+                <a:fontRef idx="minor">
+                  <a:schemeClr val="dk1"/>
+                </a:fontRef>
+              </p:style>
+              <p:txBody>
+                <a:bodyPr wrap="square" rtlCol="0">
+                  <a:spAutoFit/>
+                </a:bodyPr>
+                <a:lstStyle/>
+                <a:p>
+                  <a:r>
+                    <a:rPr lang="en-US" sz="1750" dirty="0" smtClean="0">
+                      <a:solidFill>
+                        <a:srgbClr val="FF0000"/>
+                      </a:solidFill>
+                    </a:rPr>
+                    <a:t>Faulty</a:t>
+                  </a:r>
+                </a:p>
+                <a:p>
+                  <a:pPr marL="178594" indent="-178594">
+                    <a:buFont typeface="Arial" panose="020B0604020202020204" pitchFamily="34" charset="0"/>
+                    <a:buChar char="•"/>
+                  </a:pPr>
+                  <a:r>
+                    <a:rPr lang="en-US" sz="1500" dirty="0">
+                      <a:solidFill>
+                        <a:srgbClr val="FF0000"/>
+                      </a:solidFill>
+                      <a:latin typeface="+mj-lt"/>
+                    </a:rPr>
+                    <a:t>Descends after </a:t>
+                  </a:r>
+                  <a:r>
+                    <a:rPr lang="en-US" sz="1500" dirty="0" smtClean="0">
+                      <a:solidFill>
+                        <a:srgbClr val="FF0000"/>
+                      </a:solidFill>
+                      <a:latin typeface="+mj-lt"/>
+                    </a:rPr>
+                    <a:t>a duration of </a:t>
+                  </a:r>
+                  <a14:m>
+                    <m:oMath xmlns:m="http://schemas.openxmlformats.org/officeDocument/2006/math">
+                      <m:sSub>
+                        <m:sSubPr>
+                          <m:ctrlPr>
+                            <a:rPr lang="en-US" sz="1500" b="0" i="1" dirty="0" smtClean="0">
+                              <a:solidFill>
+                                <a:srgbClr val="FF0000"/>
+                              </a:solidFill>
+                              <a:latin typeface="Cambria Math" panose="02040503050406030204" pitchFamily="18" charset="0"/>
+                            </a:rPr>
+                          </m:ctrlPr>
+                        </m:sSubPr>
+                        <m:e>
+                          <m:r>
+                            <a:rPr lang="en-US" sz="1500" b="0" i="1" dirty="0" smtClean="0">
+                              <a:solidFill>
+                                <a:srgbClr val="FF0000"/>
+                              </a:solidFill>
+                              <a:latin typeface="Cambria Math" panose="02040503050406030204" pitchFamily="18" charset="0"/>
+                            </a:rPr>
+                            <m:t>𝑡</m:t>
+                          </m:r>
+                        </m:e>
+                        <m:sub>
+                          <m:r>
+                            <m:rPr>
+                              <m:sty m:val="p"/>
+                            </m:rPr>
+                            <a:rPr lang="en-US" sz="1500" b="0" i="0" dirty="0" smtClean="0">
+                              <a:solidFill>
+                                <a:srgbClr val="FF0000"/>
+                              </a:solidFill>
+                              <a:latin typeface="Cambria Math" panose="02040503050406030204" pitchFamily="18" charset="0"/>
+                            </a:rPr>
+                            <m:t>internal</m:t>
+                          </m:r>
+                        </m:sub>
+                      </m:sSub>
+                    </m:oMath>
+                  </a14:m>
+                  <a:endParaRPr lang="en-US" sz="1500" dirty="0">
                     <a:solidFill>
                       <a:srgbClr val="FF0000"/>
                     </a:solidFill>
-                  </a:rPr>
-                  <a:t>Faulty</a:t>
-                </a:r>
-              </a:p>
-              <a:p>
-                <a:pPr marL="178594" indent="-178594">
-                  <a:buFont typeface="Arial" panose="020B0604020202020204" pitchFamily="34" charset="0"/>
-                  <a:buChar char="•"/>
-                </a:pPr>
-                <a:r>
-                  <a:rPr lang="en-US" sz="1500" dirty="0">
-                    <a:solidFill>
-                      <a:srgbClr val="FF0000"/>
-                    </a:solidFill>
-                    <a:latin typeface="+mj-lt"/>
-                  </a:rPr>
-                  <a:t>Descends after </a:t>
-                </a:r>
-                <a:r>
-                  <a:rPr lang="en-US" sz="1500" dirty="0" smtClean="0">
-                    <a:solidFill>
-                      <a:srgbClr val="FF0000"/>
-                    </a:solidFill>
-                    <a:latin typeface="+mj-lt"/>
-                  </a:rPr>
-                  <a:t>a duration of </a:t>
-                </a:r>
-                <a14:m>
-                  <m:oMath xmlns:m="http://schemas.openxmlformats.org/officeDocument/2006/math">
-                    <m:sSub>
-                      <m:sSubPr>
-                        <m:ctrlPr>
-                          <a:rPr lang="en-US" sz="1500" b="0" i="1" dirty="0" smtClean="0">
-                            <a:solidFill>
-                              <a:srgbClr val="FF0000"/>
-                            </a:solidFill>
-                            <a:latin typeface="Cambria Math" panose="02040503050406030204" pitchFamily="18" charset="0"/>
-                          </a:rPr>
-                        </m:ctrlPr>
-                      </m:sSubPr>
-                      <m:e>
-                        <m:r>
-                          <a:rPr lang="en-US" sz="1500" b="0" i="1" dirty="0" smtClean="0">
-                            <a:solidFill>
-                              <a:srgbClr val="FF0000"/>
-                            </a:solidFill>
-                            <a:latin typeface="Cambria Math" panose="02040503050406030204" pitchFamily="18" charset="0"/>
-                          </a:rPr>
-                          <m:t>𝑡</m:t>
-                        </m:r>
-                      </m:e>
-                      <m:sub>
-                        <m:r>
-                          <m:rPr>
-                            <m:sty m:val="p"/>
-                          </m:rPr>
-                          <a:rPr lang="en-US" sz="1500" b="0" i="0" dirty="0" smtClean="0">
-                            <a:solidFill>
-                              <a:srgbClr val="FF0000"/>
-                            </a:solidFill>
-                            <a:latin typeface="Cambria Math" panose="02040503050406030204" pitchFamily="18" charset="0"/>
-                          </a:rPr>
-                          <m:t>internal</m:t>
-                        </m:r>
-                      </m:sub>
-                    </m:sSub>
-                  </m:oMath>
-                </a14:m>
-                <a:endParaRPr lang="en-US" sz="1500" dirty="0">
+                  </a:endParaRPr>
+                </a:p>
+              </p:txBody>
+            </p:sp>
+          </mc:Choice>
+          <mc:Fallback xmlns="">
+            <p:sp>
+              <p:nvSpPr>
+                <p:cNvPr id="74" name="TextBox 73"/>
+                <p:cNvSpPr txBox="1">
+                  <a:spLocks noRot="1" noChangeAspect="1" noMove="1" noResize="1" noEditPoints="1" noAdjustHandles="1" noChangeArrowheads="1" noChangeShapeType="1" noTextEdit="1"/>
+                </p:cNvSpPr>
+                <p:nvPr/>
+              </p:nvSpPr>
+              <p:spPr>
+                <a:xfrm>
+                  <a:off x="2284080" y="4154125"/>
+                  <a:ext cx="3211944" cy="1157719"/>
+                </a:xfrm>
+                <a:prstGeom prst="ellipse">
+                  <a:avLst/>
+                </a:prstGeom>
+                <a:blipFill rotWithShape="0">
+                  <a:blip r:embed="rId2"/>
+                  <a:stretch>
+                    <a:fillRect/>
+                  </a:stretch>
+                </a:blipFill>
+                <a:ln>
                   <a:solidFill>
                     <a:srgbClr val="FF0000"/>
                   </a:solidFill>
-                </a:endParaRPr>
-              </a:p>
-            </p:txBody>
-          </p:sp>
-        </mc:Choice>
-        <mc:Fallback>
-          <p:sp>
-            <p:nvSpPr>
-              <p:cNvPr id="74" name="TextBox 73"/>
-              <p:cNvSpPr txBox="1">
-                <a:spLocks noRot="1" noChangeAspect="1" noMove="1" noResize="1" noEditPoints="1" noAdjustHandles="1" noChangeArrowheads="1" noChangeShapeType="1" noTextEdit="1"/>
-              </p:cNvSpPr>
-              <p:nvPr/>
-            </p:nvSpPr>
-            <p:spPr>
-              <a:xfrm>
-                <a:off x="2284080" y="4154125"/>
-                <a:ext cx="3211944" cy="1157719"/>
-              </a:xfrm>
-              <a:prstGeom prst="ellipse">
-                <a:avLst/>
-              </a:prstGeom>
-              <a:blipFill rotWithShape="0">
-                <a:blip r:embed="rId2"/>
-                <a:stretch>
-                  <a:fillRect/>
-                </a:stretch>
-              </a:blipFill>
-              <a:ln>
-                <a:solidFill>
-                  <a:srgbClr val="FF0000"/>
-                </a:solidFill>
-              </a:ln>
-            </p:spPr>
-            <p:txBody>
-              <a:bodyPr/>
-              <a:lstStyle/>
-              <a:p>
-                <a:r>
-                  <a:rPr lang="en-US">
-                    <a:noFill/>
-                  </a:rPr>
-                  <a:t> </a:t>
-                </a:r>
-              </a:p>
-            </p:txBody>
-          </p:sp>
-        </mc:Fallback>
-      </mc:AlternateContent>
-      <p:cxnSp>
-        <p:nvCxnSpPr>
-          <p:cNvPr id="75" name="Curved Connector 74"/>
-          <p:cNvCxnSpPr>
-            <a:stCxn id="71" idx="7"/>
-            <a:endCxn id="72" idx="2"/>
-          </p:cNvCxnSpPr>
-          <p:nvPr/>
-        </p:nvCxnSpPr>
-        <p:spPr>
-          <a:xfrm rot="5400000" flipH="1" flipV="1">
-            <a:off x="1551590" y="1820106"/>
-            <a:ext cx="1087475" cy="288209"/>
-          </a:xfrm>
-          <a:prstGeom prst="curvedConnector2">
-            <a:avLst/>
-          </a:prstGeom>
-          <a:ln>
-            <a:tailEnd type="triangle" w="lg" len="lg"/>
-          </a:ln>
-        </p:spPr>
-        <p:style>
-          <a:lnRef idx="1">
-            <a:schemeClr val="dk1"/>
-          </a:lnRef>
-          <a:fillRef idx="0">
-            <a:schemeClr val="dk1"/>
-          </a:fillRef>
-          <a:effectRef idx="0">
-            <a:schemeClr val="dk1"/>
-          </a:effectRef>
-          <a:fontRef idx="minor">
-            <a:schemeClr val="tx1"/>
-          </a:fontRef>
-        </p:style>
-      </p:cxnSp>
-      <p:sp>
-        <p:nvSpPr>
-          <p:cNvPr id="76" name="TextBox 75"/>
-          <p:cNvSpPr txBox="1"/>
-          <p:nvPr/>
-        </p:nvSpPr>
-        <p:spPr>
-          <a:xfrm>
-            <a:off x="754873" y="356252"/>
-            <a:ext cx="1415516" cy="342401"/>
-          </a:xfrm>
-          <a:prstGeom prst="rect">
-            <a:avLst/>
-          </a:prstGeom>
-          <a:noFill/>
-        </p:spPr>
-        <p:txBody>
-          <a:bodyPr wrap="none" rtlCol="0">
-            <a:spAutoFit/>
-          </a:bodyPr>
-          <a:lstStyle/>
-          <a:p>
-            <a:r>
-              <a:rPr lang="en-US" sz="1625" dirty="0"/>
-              <a:t>Leave highway</a:t>
-            </a:r>
-          </a:p>
-        </p:txBody>
-      </p:sp>
-      <p:sp>
-        <p:nvSpPr>
-          <p:cNvPr id="77" name="TextBox 76"/>
-          <p:cNvSpPr txBox="1"/>
-          <p:nvPr/>
-        </p:nvSpPr>
-        <p:spPr>
-          <a:xfrm>
-            <a:off x="1930695" y="1938786"/>
-            <a:ext cx="1213193" cy="592470"/>
-          </a:xfrm>
-          <a:prstGeom prst="rect">
-            <a:avLst/>
-          </a:prstGeom>
-          <a:noFill/>
-        </p:spPr>
-        <p:txBody>
-          <a:bodyPr wrap="square" rtlCol="0">
-            <a:spAutoFit/>
-          </a:bodyPr>
-          <a:lstStyle/>
-          <a:p>
-            <a:r>
-              <a:rPr lang="en-US" sz="1625" dirty="0"/>
-              <a:t>Merge onto highway</a:t>
-            </a:r>
-          </a:p>
-        </p:txBody>
-      </p:sp>
-      <p:sp>
-        <p:nvSpPr>
-          <p:cNvPr id="78" name="TextBox 77"/>
-          <p:cNvSpPr txBox="1"/>
-          <p:nvPr/>
-        </p:nvSpPr>
-        <p:spPr>
-          <a:xfrm>
-            <a:off x="6171399" y="1160837"/>
-            <a:ext cx="925864" cy="842538"/>
-          </a:xfrm>
-          <a:prstGeom prst="rect">
-            <a:avLst/>
-          </a:prstGeom>
-          <a:noFill/>
-        </p:spPr>
-        <p:txBody>
-          <a:bodyPr wrap="square" rtlCol="0">
-            <a:spAutoFit/>
-          </a:bodyPr>
-          <a:lstStyle/>
-          <a:p>
-            <a:r>
-              <a:rPr lang="en-US" sz="1625" dirty="0"/>
-              <a:t>Create new platoon</a:t>
-            </a:r>
-          </a:p>
-        </p:txBody>
-      </p:sp>
-      <p:cxnSp>
-        <p:nvCxnSpPr>
-          <p:cNvPr id="79" name="Curved Connector 78"/>
-          <p:cNvCxnSpPr>
-            <a:stCxn id="72" idx="1"/>
-            <a:endCxn id="71" idx="0"/>
-          </p:cNvCxnSpPr>
-          <p:nvPr/>
-        </p:nvCxnSpPr>
-        <p:spPr>
-          <a:xfrm rot="16200000" flipH="1" flipV="1">
-            <a:off x="1218749" y="935406"/>
-            <a:ext cx="1279711" cy="1431209"/>
-          </a:xfrm>
-          <a:prstGeom prst="curvedConnector3">
-            <a:avLst>
-              <a:gd name="adj1" fmla="val -31112"/>
-            </a:avLst>
-          </a:prstGeom>
-          <a:ln>
-            <a:tailEnd type="triangle" w="lg" len="lg"/>
-          </a:ln>
-        </p:spPr>
-        <p:style>
-          <a:lnRef idx="1">
-            <a:schemeClr val="dk1"/>
-          </a:lnRef>
-          <a:fillRef idx="0">
-            <a:schemeClr val="dk1"/>
-          </a:fillRef>
-          <a:effectRef idx="0">
-            <a:schemeClr val="dk1"/>
-          </a:effectRef>
-          <a:fontRef idx="minor">
-            <a:schemeClr val="tx1"/>
-          </a:fontRef>
-        </p:style>
-      </p:cxnSp>
-      <p:cxnSp>
-        <p:nvCxnSpPr>
-          <p:cNvPr id="80" name="Curved Connector 79"/>
-          <p:cNvCxnSpPr>
-            <a:stCxn id="73" idx="0"/>
-            <a:endCxn id="72" idx="6"/>
-          </p:cNvCxnSpPr>
-          <p:nvPr/>
-        </p:nvCxnSpPr>
-        <p:spPr>
-          <a:xfrm rot="16200000" flipV="1">
-            <a:off x="4984237" y="961668"/>
-            <a:ext cx="1021587" cy="1939195"/>
-          </a:xfrm>
-          <a:prstGeom prst="curvedConnector2">
-            <a:avLst/>
-          </a:prstGeom>
-          <a:ln>
-            <a:tailEnd type="triangle" w="lg" len="lg"/>
-          </a:ln>
-        </p:spPr>
-        <p:style>
-          <a:lnRef idx="1">
-            <a:schemeClr val="dk1"/>
-          </a:lnRef>
-          <a:fillRef idx="0">
-            <a:schemeClr val="dk1"/>
-          </a:fillRef>
-          <a:effectRef idx="0">
-            <a:schemeClr val="dk1"/>
-          </a:effectRef>
-          <a:fontRef idx="minor">
-            <a:schemeClr val="tx1"/>
-          </a:fontRef>
-        </p:style>
-      </p:cxnSp>
-      <p:cxnSp>
-        <p:nvCxnSpPr>
-          <p:cNvPr id="81" name="Curved Connector 80"/>
-          <p:cNvCxnSpPr>
-            <a:stCxn id="72" idx="5"/>
-            <a:endCxn id="73" idx="1"/>
-          </p:cNvCxnSpPr>
-          <p:nvPr/>
-        </p:nvCxnSpPr>
-        <p:spPr>
-          <a:xfrm rot="16200000" flipH="1">
-            <a:off x="4532621" y="1487820"/>
-            <a:ext cx="781816" cy="1465749"/>
-          </a:xfrm>
-          <a:prstGeom prst="curvedConnector3">
-            <a:avLst>
-              <a:gd name="adj1" fmla="val 50000"/>
-            </a:avLst>
-          </a:prstGeom>
-          <a:ln>
-            <a:tailEnd type="triangle" w="lg" len="lg"/>
-          </a:ln>
-        </p:spPr>
-        <p:style>
-          <a:lnRef idx="1">
-            <a:schemeClr val="dk1"/>
-          </a:lnRef>
-          <a:fillRef idx="0">
-            <a:schemeClr val="dk1"/>
-          </a:fillRef>
-          <a:effectRef idx="0">
-            <a:schemeClr val="dk1"/>
-          </a:effectRef>
-          <a:fontRef idx="minor">
-            <a:schemeClr val="tx1"/>
-          </a:fontRef>
-        </p:style>
-      </p:cxnSp>
-      <p:cxnSp>
-        <p:nvCxnSpPr>
-          <p:cNvPr id="82" name="Curved Connector 81"/>
-          <p:cNvCxnSpPr>
-            <a:stCxn id="71" idx="6"/>
-            <a:endCxn id="73" idx="2"/>
-          </p:cNvCxnSpPr>
-          <p:nvPr/>
-        </p:nvCxnSpPr>
-        <p:spPr>
-          <a:xfrm flipV="1">
-            <a:off x="2286000" y="3020919"/>
-            <a:ext cx="3035627" cy="11105"/>
-          </a:xfrm>
-          <a:prstGeom prst="curvedConnector3">
-            <a:avLst>
-              <a:gd name="adj1" fmla="val 50000"/>
-            </a:avLst>
-          </a:prstGeom>
-          <a:ln>
-            <a:tailEnd type="triangle" w="lg" len="lg"/>
-          </a:ln>
-        </p:spPr>
-        <p:style>
-          <a:lnRef idx="1">
-            <a:schemeClr val="dk1"/>
-          </a:lnRef>
-          <a:fillRef idx="0">
-            <a:schemeClr val="dk1"/>
-          </a:fillRef>
-          <a:effectRef idx="0">
-            <a:schemeClr val="dk1"/>
-          </a:effectRef>
-          <a:fontRef idx="minor">
-            <a:schemeClr val="tx1"/>
-          </a:fontRef>
-        </p:style>
-      </p:cxnSp>
-      <p:cxnSp>
-        <p:nvCxnSpPr>
-          <p:cNvPr id="83" name="Curved Connector 82"/>
-          <p:cNvCxnSpPr>
-            <a:stCxn id="73" idx="3"/>
-            <a:endCxn id="71" idx="5"/>
-          </p:cNvCxnSpPr>
-          <p:nvPr/>
-        </p:nvCxnSpPr>
-        <p:spPr>
-          <a:xfrm rot="5400000">
-            <a:off x="3740881" y="1640577"/>
-            <a:ext cx="125866" cy="3705181"/>
-          </a:xfrm>
-          <a:prstGeom prst="curvedConnector3">
-            <a:avLst>
-              <a:gd name="adj1" fmla="val 454091"/>
-            </a:avLst>
-          </a:prstGeom>
-          <a:ln>
-            <a:tailEnd type="triangle" w="lg" len="lg"/>
-          </a:ln>
-        </p:spPr>
-        <p:style>
-          <a:lnRef idx="1">
-            <a:schemeClr val="dk1"/>
-          </a:lnRef>
-          <a:fillRef idx="0">
-            <a:schemeClr val="dk1"/>
-          </a:fillRef>
-          <a:effectRef idx="0">
-            <a:schemeClr val="dk1"/>
-          </a:effectRef>
-          <a:fontRef idx="minor">
-            <a:schemeClr val="tx1"/>
-          </a:fontRef>
-        </p:style>
-      </p:cxnSp>
-      <p:cxnSp>
-        <p:nvCxnSpPr>
-          <p:cNvPr id="84" name="Curved Connector 83"/>
-          <p:cNvCxnSpPr>
-            <a:stCxn id="72" idx="4"/>
-            <a:endCxn id="74" idx="0"/>
-          </p:cNvCxnSpPr>
-          <p:nvPr/>
-        </p:nvCxnSpPr>
-        <p:spPr>
-          <a:xfrm rot="16200000" flipH="1">
-            <a:off x="2558845" y="2822918"/>
-            <a:ext cx="2154794" cy="507620"/>
-          </a:xfrm>
-          <a:prstGeom prst="curvedConnector3">
-            <a:avLst>
-              <a:gd name="adj1" fmla="val 50000"/>
-            </a:avLst>
-          </a:prstGeom>
-          <a:ln>
-            <a:solidFill>
-              <a:srgbClr val="FF0000"/>
-            </a:solidFill>
-            <a:tailEnd type="triangle" w="lg" len="lg"/>
-          </a:ln>
-        </p:spPr>
-        <p:style>
-          <a:lnRef idx="1">
-            <a:schemeClr val="dk1"/>
-          </a:lnRef>
-          <a:fillRef idx="0">
-            <a:schemeClr val="dk1"/>
-          </a:fillRef>
-          <a:effectRef idx="0">
-            <a:schemeClr val="dk1"/>
-          </a:effectRef>
-          <a:fontRef idx="minor">
-            <a:schemeClr val="tx1"/>
-          </a:fontRef>
-        </p:style>
-      </p:cxnSp>
-      <p:cxnSp>
-        <p:nvCxnSpPr>
-          <p:cNvPr id="85" name="Curved Connector 84"/>
-          <p:cNvCxnSpPr>
-            <a:stCxn id="73" idx="4"/>
-            <a:endCxn id="74" idx="6"/>
-          </p:cNvCxnSpPr>
-          <p:nvPr/>
-        </p:nvCxnSpPr>
-        <p:spPr>
-          <a:xfrm rot="5400000">
-            <a:off x="5413723" y="3682080"/>
-            <a:ext cx="1133207" cy="968603"/>
-          </a:xfrm>
-          <a:prstGeom prst="curvedConnector2">
-            <a:avLst/>
-          </a:prstGeom>
-          <a:ln>
-            <a:solidFill>
-              <a:srgbClr val="FF0000"/>
-            </a:solidFill>
-            <a:tailEnd type="triangle" w="lg" len="lg"/>
-          </a:ln>
-        </p:spPr>
-        <p:style>
-          <a:lnRef idx="1">
-            <a:schemeClr val="dk1"/>
-          </a:lnRef>
-          <a:fillRef idx="0">
-            <a:schemeClr val="dk1"/>
-          </a:fillRef>
-          <a:effectRef idx="0">
-            <a:schemeClr val="dk1"/>
-          </a:effectRef>
-          <a:fontRef idx="minor">
-            <a:schemeClr val="tx1"/>
-          </a:fontRef>
-        </p:style>
-      </p:cxnSp>
-      <p:cxnSp>
-        <p:nvCxnSpPr>
-          <p:cNvPr id="86" name="Curved Connector 85"/>
-          <p:cNvCxnSpPr>
-            <a:stCxn id="71" idx="4"/>
-            <a:endCxn id="74" idx="2"/>
-          </p:cNvCxnSpPr>
-          <p:nvPr/>
-        </p:nvCxnSpPr>
-        <p:spPr>
-          <a:xfrm rot="16200000" flipH="1">
-            <a:off x="1233638" y="3682542"/>
-            <a:ext cx="959805" cy="1141080"/>
-          </a:xfrm>
-          <a:prstGeom prst="curvedConnector2">
-            <a:avLst/>
-          </a:prstGeom>
-          <a:ln>
-            <a:solidFill>
-              <a:srgbClr val="FF0000"/>
-            </a:solidFill>
-            <a:tailEnd type="triangle" w="lg" len="lg"/>
-          </a:ln>
-        </p:spPr>
-        <p:style>
-          <a:lnRef idx="1">
-            <a:schemeClr val="dk1"/>
-          </a:lnRef>
-          <a:fillRef idx="0">
-            <a:schemeClr val="dk1"/>
-          </a:fillRef>
-          <a:effectRef idx="0">
-            <a:schemeClr val="dk1"/>
-          </a:effectRef>
-          <a:fontRef idx="minor">
-            <a:schemeClr val="tx1"/>
-          </a:fontRef>
-        </p:style>
-      </p:cxnSp>
-      <p:sp>
-        <p:nvSpPr>
-          <p:cNvPr id="87" name="TextBox 86"/>
-          <p:cNvSpPr txBox="1"/>
-          <p:nvPr/>
-        </p:nvSpPr>
-        <p:spPr>
-          <a:xfrm>
-            <a:off x="3726572" y="2080541"/>
-            <a:ext cx="1546405" cy="592470"/>
-          </a:xfrm>
-          <a:prstGeom prst="rect">
-            <a:avLst/>
-          </a:prstGeom>
-          <a:noFill/>
-        </p:spPr>
-        <p:txBody>
-          <a:bodyPr wrap="square" rtlCol="0">
-            <a:spAutoFit/>
-          </a:bodyPr>
-          <a:lstStyle/>
-          <a:p>
-            <a:r>
-              <a:rPr lang="en-US" sz="1625" dirty="0"/>
-              <a:t>Merge with platoon in front</a:t>
-            </a:r>
-          </a:p>
-        </p:txBody>
-      </p:sp>
-      <p:sp>
-        <p:nvSpPr>
-          <p:cNvPr id="88" name="TextBox 87"/>
-          <p:cNvSpPr txBox="1"/>
-          <p:nvPr/>
-        </p:nvSpPr>
-        <p:spPr>
-          <a:xfrm>
-            <a:off x="2284080" y="2750907"/>
-            <a:ext cx="1217834" cy="342401"/>
-          </a:xfrm>
-          <a:prstGeom prst="rect">
-            <a:avLst/>
-          </a:prstGeom>
-          <a:noFill/>
-        </p:spPr>
-        <p:txBody>
-          <a:bodyPr wrap="none" rtlCol="0">
-            <a:spAutoFit/>
-          </a:bodyPr>
-          <a:lstStyle/>
-          <a:p>
-            <a:r>
-              <a:rPr lang="en-US" sz="1625" dirty="0"/>
-              <a:t>Join platoon</a:t>
-            </a:r>
-          </a:p>
-        </p:txBody>
-      </p:sp>
-      <p:cxnSp>
-        <p:nvCxnSpPr>
-          <p:cNvPr id="89" name="Curved Connector 88"/>
-          <p:cNvCxnSpPr>
-            <a:stCxn id="72" idx="0"/>
-            <a:endCxn id="72" idx="7"/>
-          </p:cNvCxnSpPr>
-          <p:nvPr/>
-        </p:nvCxnSpPr>
-        <p:spPr>
-          <a:xfrm rot="16200000" flipH="1">
-            <a:off x="3701771" y="522273"/>
-            <a:ext cx="169544" cy="808223"/>
-          </a:xfrm>
-          <a:prstGeom prst="curvedConnector3">
-            <a:avLst>
-              <a:gd name="adj1" fmla="val -134832"/>
-            </a:avLst>
-          </a:prstGeom>
-          <a:ln>
-            <a:tailEnd type="triangle" w="lg" len="lg"/>
-          </a:ln>
-        </p:spPr>
-        <p:style>
-          <a:lnRef idx="1">
-            <a:schemeClr val="dk1"/>
-          </a:lnRef>
-          <a:fillRef idx="0">
-            <a:schemeClr val="dk1"/>
-          </a:fillRef>
-          <a:effectRef idx="0">
-            <a:schemeClr val="dk1"/>
-          </a:effectRef>
-          <a:fontRef idx="minor">
-            <a:schemeClr val="tx1"/>
-          </a:fontRef>
-        </p:style>
-      </p:cxnSp>
-      <p:sp>
-        <p:nvSpPr>
-          <p:cNvPr id="90" name="TextBox 89"/>
-          <p:cNvSpPr txBox="1"/>
-          <p:nvPr/>
-        </p:nvSpPr>
-        <p:spPr>
-          <a:xfrm>
-            <a:off x="3150948" y="354741"/>
-            <a:ext cx="1571624" cy="342401"/>
-          </a:xfrm>
-          <a:prstGeom prst="rect">
-            <a:avLst/>
-          </a:prstGeom>
-          <a:noFill/>
-        </p:spPr>
-        <p:txBody>
-          <a:bodyPr wrap="square" rtlCol="0">
-            <a:spAutoFit/>
-          </a:bodyPr>
-          <a:lstStyle/>
-          <a:p>
-            <a:r>
-              <a:rPr lang="en-US" sz="1625" dirty="0"/>
-              <a:t>Follow highway</a:t>
-            </a:r>
-          </a:p>
-        </p:txBody>
-      </p:sp>
-      <p:cxnSp>
-        <p:nvCxnSpPr>
-          <p:cNvPr id="91" name="Curved Connector 90"/>
-          <p:cNvCxnSpPr>
-            <a:stCxn id="73" idx="7"/>
-            <a:endCxn id="73" idx="6"/>
-          </p:cNvCxnSpPr>
-          <p:nvPr/>
-        </p:nvCxnSpPr>
-        <p:spPr>
-          <a:xfrm rot="16200000" flipH="1">
-            <a:off x="7235580" y="2648873"/>
-            <a:ext cx="409316" cy="334777"/>
-          </a:xfrm>
-          <a:prstGeom prst="curvedConnector4">
-            <a:avLst>
-              <a:gd name="adj1" fmla="val -97271"/>
-              <a:gd name="adj2" fmla="val 168284"/>
-            </a:avLst>
-          </a:prstGeom>
-          <a:ln>
-            <a:tailEnd type="triangle" w="lg" len="lg"/>
-          </a:ln>
-        </p:spPr>
-        <p:style>
-          <a:lnRef idx="1">
-            <a:schemeClr val="dk1"/>
-          </a:lnRef>
-          <a:fillRef idx="0">
-            <a:schemeClr val="dk1"/>
-          </a:fillRef>
-          <a:effectRef idx="0">
-            <a:schemeClr val="dk1"/>
-          </a:effectRef>
-          <a:fontRef idx="minor">
-            <a:schemeClr val="tx1"/>
-          </a:fontRef>
-        </p:style>
-      </p:cxnSp>
-      <p:sp>
-        <p:nvSpPr>
-          <p:cNvPr id="92" name="TextBox 91"/>
-          <p:cNvSpPr txBox="1"/>
-          <p:nvPr/>
-        </p:nvSpPr>
-        <p:spPr>
-          <a:xfrm>
-            <a:off x="7272849" y="1940122"/>
-            <a:ext cx="1571624" cy="342401"/>
-          </a:xfrm>
-          <a:prstGeom prst="rect">
-            <a:avLst/>
-          </a:prstGeom>
-          <a:noFill/>
-        </p:spPr>
-        <p:txBody>
-          <a:bodyPr wrap="square" rtlCol="0">
-            <a:spAutoFit/>
-          </a:bodyPr>
-          <a:lstStyle/>
-          <a:p>
-            <a:r>
-              <a:rPr lang="en-US" sz="1625" dirty="0"/>
-              <a:t>Follow platoon</a:t>
-            </a:r>
-          </a:p>
-        </p:txBody>
-      </p:sp>
-      <p:sp>
-        <p:nvSpPr>
-          <p:cNvPr id="93" name="TextBox 92"/>
-          <p:cNvSpPr txBox="1"/>
-          <p:nvPr/>
-        </p:nvSpPr>
-        <p:spPr>
-          <a:xfrm>
-            <a:off x="4261098" y="3279859"/>
-            <a:ext cx="1415516" cy="342401"/>
-          </a:xfrm>
-          <a:prstGeom prst="rect">
-            <a:avLst/>
-          </a:prstGeom>
-          <a:noFill/>
-        </p:spPr>
-        <p:txBody>
-          <a:bodyPr wrap="none" rtlCol="0">
-            <a:spAutoFit/>
-          </a:bodyPr>
-          <a:lstStyle/>
-          <a:p>
-            <a:r>
-              <a:rPr lang="en-US" sz="1625" dirty="0"/>
-              <a:t>Leave highway</a:t>
-            </a:r>
-          </a:p>
-        </p:txBody>
-      </p:sp>
+                </a:ln>
+              </p:spPr>
+              <p:txBody>
+                <a:bodyPr/>
+                <a:lstStyle/>
+                <a:p>
+                  <a:r>
+                    <a:rPr lang="en-US">
+                      <a:noFill/>
+                    </a:rPr>
+                    <a:t> </a:t>
+                  </a:r>
+                </a:p>
+              </p:txBody>
+            </p:sp>
+          </mc:Fallback>
+        </mc:AlternateContent>
+        <p:cxnSp>
+          <p:nvCxnSpPr>
+            <p:cNvPr id="75" name="Curved Connector 74"/>
+            <p:cNvCxnSpPr>
+              <a:stCxn id="71" idx="7"/>
+              <a:endCxn id="72" idx="2"/>
+            </p:cNvCxnSpPr>
+            <p:nvPr/>
+          </p:nvCxnSpPr>
+          <p:spPr>
+            <a:xfrm rot="5400000" flipH="1" flipV="1">
+              <a:off x="1551590" y="1820106"/>
+              <a:ext cx="1087475" cy="288209"/>
+            </a:xfrm>
+            <a:prstGeom prst="curvedConnector2">
+              <a:avLst/>
+            </a:prstGeom>
+            <a:ln>
+              <a:tailEnd type="triangle" w="lg" len="lg"/>
+            </a:ln>
+          </p:spPr>
+          <p:style>
+            <a:lnRef idx="1">
+              <a:schemeClr val="dk1"/>
+            </a:lnRef>
+            <a:fillRef idx="0">
+              <a:schemeClr val="dk1"/>
+            </a:fillRef>
+            <a:effectRef idx="0">
+              <a:schemeClr val="dk1"/>
+            </a:effectRef>
+            <a:fontRef idx="minor">
+              <a:schemeClr val="tx1"/>
+            </a:fontRef>
+          </p:style>
+        </p:cxnSp>
+        <p:sp>
+          <p:nvSpPr>
+            <p:cNvPr id="76" name="TextBox 75"/>
+            <p:cNvSpPr txBox="1"/>
+            <p:nvPr/>
+          </p:nvSpPr>
+          <p:spPr>
+            <a:xfrm>
+              <a:off x="754873" y="356252"/>
+              <a:ext cx="1415516" cy="342401"/>
+            </a:xfrm>
+            <a:prstGeom prst="rect">
+              <a:avLst/>
+            </a:prstGeom>
+            <a:noFill/>
+          </p:spPr>
+          <p:txBody>
+            <a:bodyPr wrap="none" rtlCol="0">
+              <a:spAutoFit/>
+            </a:bodyPr>
+            <a:lstStyle/>
+            <a:p>
+              <a:r>
+                <a:rPr lang="en-US" sz="1625" dirty="0"/>
+                <a:t>Leave highway</a:t>
+              </a:r>
+            </a:p>
+          </p:txBody>
+        </p:sp>
+        <p:sp>
+          <p:nvSpPr>
+            <p:cNvPr id="77" name="TextBox 76"/>
+            <p:cNvSpPr txBox="1"/>
+            <p:nvPr/>
+          </p:nvSpPr>
+          <p:spPr>
+            <a:xfrm>
+              <a:off x="1930695" y="1938786"/>
+              <a:ext cx="1213193" cy="592470"/>
+            </a:xfrm>
+            <a:prstGeom prst="rect">
+              <a:avLst/>
+            </a:prstGeom>
+            <a:noFill/>
+          </p:spPr>
+          <p:txBody>
+            <a:bodyPr wrap="square" rtlCol="0">
+              <a:spAutoFit/>
+            </a:bodyPr>
+            <a:lstStyle/>
+            <a:p>
+              <a:r>
+                <a:rPr lang="en-US" sz="1625" dirty="0"/>
+                <a:t>Merge onto highway</a:t>
+              </a:r>
+            </a:p>
+          </p:txBody>
+        </p:sp>
+        <p:sp>
+          <p:nvSpPr>
+            <p:cNvPr id="78" name="TextBox 77"/>
+            <p:cNvSpPr txBox="1"/>
+            <p:nvPr/>
+          </p:nvSpPr>
+          <p:spPr>
+            <a:xfrm>
+              <a:off x="6171399" y="1160837"/>
+              <a:ext cx="925864" cy="842538"/>
+            </a:xfrm>
+            <a:prstGeom prst="rect">
+              <a:avLst/>
+            </a:prstGeom>
+            <a:noFill/>
+          </p:spPr>
+          <p:txBody>
+            <a:bodyPr wrap="square" rtlCol="0">
+              <a:spAutoFit/>
+            </a:bodyPr>
+            <a:lstStyle/>
+            <a:p>
+              <a:r>
+                <a:rPr lang="en-US" sz="1625" dirty="0"/>
+                <a:t>Create new platoon</a:t>
+              </a:r>
+            </a:p>
+          </p:txBody>
+        </p:sp>
+        <p:cxnSp>
+          <p:nvCxnSpPr>
+            <p:cNvPr id="79" name="Curved Connector 78"/>
+            <p:cNvCxnSpPr>
+              <a:stCxn id="72" idx="1"/>
+              <a:endCxn id="71" idx="0"/>
+            </p:cNvCxnSpPr>
+            <p:nvPr/>
+          </p:nvCxnSpPr>
+          <p:spPr>
+            <a:xfrm rot="16200000" flipH="1" flipV="1">
+              <a:off x="1218749" y="935406"/>
+              <a:ext cx="1279711" cy="1431209"/>
+            </a:xfrm>
+            <a:prstGeom prst="curvedConnector3">
+              <a:avLst>
+                <a:gd name="adj1" fmla="val -31112"/>
+              </a:avLst>
+            </a:prstGeom>
+            <a:ln>
+              <a:tailEnd type="triangle" w="lg" len="lg"/>
+            </a:ln>
+          </p:spPr>
+          <p:style>
+            <a:lnRef idx="1">
+              <a:schemeClr val="dk1"/>
+            </a:lnRef>
+            <a:fillRef idx="0">
+              <a:schemeClr val="dk1"/>
+            </a:fillRef>
+            <a:effectRef idx="0">
+              <a:schemeClr val="dk1"/>
+            </a:effectRef>
+            <a:fontRef idx="minor">
+              <a:schemeClr val="tx1"/>
+            </a:fontRef>
+          </p:style>
+        </p:cxnSp>
+        <p:cxnSp>
+          <p:nvCxnSpPr>
+            <p:cNvPr id="80" name="Curved Connector 79"/>
+            <p:cNvCxnSpPr>
+              <a:stCxn id="73" idx="0"/>
+              <a:endCxn id="72" idx="6"/>
+            </p:cNvCxnSpPr>
+            <p:nvPr/>
+          </p:nvCxnSpPr>
+          <p:spPr>
+            <a:xfrm rot="16200000" flipV="1">
+              <a:off x="4984237" y="961668"/>
+              <a:ext cx="1021587" cy="1939195"/>
+            </a:xfrm>
+            <a:prstGeom prst="curvedConnector2">
+              <a:avLst/>
+            </a:prstGeom>
+            <a:ln>
+              <a:tailEnd type="triangle" w="lg" len="lg"/>
+            </a:ln>
+          </p:spPr>
+          <p:style>
+            <a:lnRef idx="1">
+              <a:schemeClr val="dk1"/>
+            </a:lnRef>
+            <a:fillRef idx="0">
+              <a:schemeClr val="dk1"/>
+            </a:fillRef>
+            <a:effectRef idx="0">
+              <a:schemeClr val="dk1"/>
+            </a:effectRef>
+            <a:fontRef idx="minor">
+              <a:schemeClr val="tx1"/>
+            </a:fontRef>
+          </p:style>
+        </p:cxnSp>
+        <p:cxnSp>
+          <p:nvCxnSpPr>
+            <p:cNvPr id="81" name="Curved Connector 80"/>
+            <p:cNvCxnSpPr>
+              <a:stCxn id="72" idx="5"/>
+              <a:endCxn id="73" idx="1"/>
+            </p:cNvCxnSpPr>
+            <p:nvPr/>
+          </p:nvCxnSpPr>
+          <p:spPr>
+            <a:xfrm rot="16200000" flipH="1">
+              <a:off x="4532621" y="1487820"/>
+              <a:ext cx="781816" cy="1465749"/>
+            </a:xfrm>
+            <a:prstGeom prst="curvedConnector3">
+              <a:avLst>
+                <a:gd name="adj1" fmla="val 50000"/>
+              </a:avLst>
+            </a:prstGeom>
+            <a:ln>
+              <a:tailEnd type="triangle" w="lg" len="lg"/>
+            </a:ln>
+          </p:spPr>
+          <p:style>
+            <a:lnRef idx="1">
+              <a:schemeClr val="dk1"/>
+            </a:lnRef>
+            <a:fillRef idx="0">
+              <a:schemeClr val="dk1"/>
+            </a:fillRef>
+            <a:effectRef idx="0">
+              <a:schemeClr val="dk1"/>
+            </a:effectRef>
+            <a:fontRef idx="minor">
+              <a:schemeClr val="tx1"/>
+            </a:fontRef>
+          </p:style>
+        </p:cxnSp>
+        <p:cxnSp>
+          <p:nvCxnSpPr>
+            <p:cNvPr id="82" name="Curved Connector 81"/>
+            <p:cNvCxnSpPr>
+              <a:stCxn id="71" idx="6"/>
+              <a:endCxn id="73" idx="2"/>
+            </p:cNvCxnSpPr>
+            <p:nvPr/>
+          </p:nvCxnSpPr>
+          <p:spPr>
+            <a:xfrm flipV="1">
+              <a:off x="2286000" y="3020919"/>
+              <a:ext cx="3035627" cy="11105"/>
+            </a:xfrm>
+            <a:prstGeom prst="curvedConnector3">
+              <a:avLst>
+                <a:gd name="adj1" fmla="val 50000"/>
+              </a:avLst>
+            </a:prstGeom>
+            <a:ln>
+              <a:tailEnd type="triangle" w="lg" len="lg"/>
+            </a:ln>
+          </p:spPr>
+          <p:style>
+            <a:lnRef idx="1">
+              <a:schemeClr val="dk1"/>
+            </a:lnRef>
+            <a:fillRef idx="0">
+              <a:schemeClr val="dk1"/>
+            </a:fillRef>
+            <a:effectRef idx="0">
+              <a:schemeClr val="dk1"/>
+            </a:effectRef>
+            <a:fontRef idx="minor">
+              <a:schemeClr val="tx1"/>
+            </a:fontRef>
+          </p:style>
+        </p:cxnSp>
+        <p:cxnSp>
+          <p:nvCxnSpPr>
+            <p:cNvPr id="83" name="Curved Connector 82"/>
+            <p:cNvCxnSpPr>
+              <a:stCxn id="73" idx="3"/>
+              <a:endCxn id="71" idx="5"/>
+            </p:cNvCxnSpPr>
+            <p:nvPr/>
+          </p:nvCxnSpPr>
+          <p:spPr>
+            <a:xfrm rot="5400000">
+              <a:off x="3740881" y="1640577"/>
+              <a:ext cx="125866" cy="3705181"/>
+            </a:xfrm>
+            <a:prstGeom prst="curvedConnector3">
+              <a:avLst>
+                <a:gd name="adj1" fmla="val 454091"/>
+              </a:avLst>
+            </a:prstGeom>
+            <a:ln>
+              <a:tailEnd type="triangle" w="lg" len="lg"/>
+            </a:ln>
+          </p:spPr>
+          <p:style>
+            <a:lnRef idx="1">
+              <a:schemeClr val="dk1"/>
+            </a:lnRef>
+            <a:fillRef idx="0">
+              <a:schemeClr val="dk1"/>
+            </a:fillRef>
+            <a:effectRef idx="0">
+              <a:schemeClr val="dk1"/>
+            </a:effectRef>
+            <a:fontRef idx="minor">
+              <a:schemeClr val="tx1"/>
+            </a:fontRef>
+          </p:style>
+        </p:cxnSp>
+        <p:cxnSp>
+          <p:nvCxnSpPr>
+            <p:cNvPr id="84" name="Curved Connector 83"/>
+            <p:cNvCxnSpPr>
+              <a:stCxn id="72" idx="4"/>
+              <a:endCxn id="74" idx="0"/>
+            </p:cNvCxnSpPr>
+            <p:nvPr/>
+          </p:nvCxnSpPr>
+          <p:spPr>
+            <a:xfrm rot="16200000" flipH="1">
+              <a:off x="2558845" y="2822918"/>
+              <a:ext cx="2154794" cy="507620"/>
+            </a:xfrm>
+            <a:prstGeom prst="curvedConnector3">
+              <a:avLst>
+                <a:gd name="adj1" fmla="val 50000"/>
+              </a:avLst>
+            </a:prstGeom>
+            <a:ln>
+              <a:solidFill>
+                <a:srgbClr val="FF0000"/>
+              </a:solidFill>
+              <a:tailEnd type="triangle" w="lg" len="lg"/>
+            </a:ln>
+          </p:spPr>
+          <p:style>
+            <a:lnRef idx="1">
+              <a:schemeClr val="dk1"/>
+            </a:lnRef>
+            <a:fillRef idx="0">
+              <a:schemeClr val="dk1"/>
+            </a:fillRef>
+            <a:effectRef idx="0">
+              <a:schemeClr val="dk1"/>
+            </a:effectRef>
+            <a:fontRef idx="minor">
+              <a:schemeClr val="tx1"/>
+            </a:fontRef>
+          </p:style>
+        </p:cxnSp>
+        <p:cxnSp>
+          <p:nvCxnSpPr>
+            <p:cNvPr id="85" name="Curved Connector 84"/>
+            <p:cNvCxnSpPr>
+              <a:stCxn id="73" idx="4"/>
+              <a:endCxn id="74" idx="6"/>
+            </p:cNvCxnSpPr>
+            <p:nvPr/>
+          </p:nvCxnSpPr>
+          <p:spPr>
+            <a:xfrm rot="5400000">
+              <a:off x="5413723" y="3682080"/>
+              <a:ext cx="1133207" cy="968603"/>
+            </a:xfrm>
+            <a:prstGeom prst="curvedConnector2">
+              <a:avLst/>
+            </a:prstGeom>
+            <a:ln>
+              <a:solidFill>
+                <a:srgbClr val="FF0000"/>
+              </a:solidFill>
+              <a:tailEnd type="triangle" w="lg" len="lg"/>
+            </a:ln>
+          </p:spPr>
+          <p:style>
+            <a:lnRef idx="1">
+              <a:schemeClr val="dk1"/>
+            </a:lnRef>
+            <a:fillRef idx="0">
+              <a:schemeClr val="dk1"/>
+            </a:fillRef>
+            <a:effectRef idx="0">
+              <a:schemeClr val="dk1"/>
+            </a:effectRef>
+            <a:fontRef idx="minor">
+              <a:schemeClr val="tx1"/>
+            </a:fontRef>
+          </p:style>
+        </p:cxnSp>
+        <p:cxnSp>
+          <p:nvCxnSpPr>
+            <p:cNvPr id="86" name="Curved Connector 85"/>
+            <p:cNvCxnSpPr>
+              <a:stCxn id="71" idx="4"/>
+              <a:endCxn id="74" idx="2"/>
+            </p:cNvCxnSpPr>
+            <p:nvPr/>
+          </p:nvCxnSpPr>
+          <p:spPr>
+            <a:xfrm rot="16200000" flipH="1">
+              <a:off x="1233638" y="3682542"/>
+              <a:ext cx="959805" cy="1141080"/>
+            </a:xfrm>
+            <a:prstGeom prst="curvedConnector2">
+              <a:avLst/>
+            </a:prstGeom>
+            <a:ln>
+              <a:solidFill>
+                <a:srgbClr val="FF0000"/>
+              </a:solidFill>
+              <a:tailEnd type="triangle" w="lg" len="lg"/>
+            </a:ln>
+          </p:spPr>
+          <p:style>
+            <a:lnRef idx="1">
+              <a:schemeClr val="dk1"/>
+            </a:lnRef>
+            <a:fillRef idx="0">
+              <a:schemeClr val="dk1"/>
+            </a:fillRef>
+            <a:effectRef idx="0">
+              <a:schemeClr val="dk1"/>
+            </a:effectRef>
+            <a:fontRef idx="minor">
+              <a:schemeClr val="tx1"/>
+            </a:fontRef>
+          </p:style>
+        </p:cxnSp>
+        <p:sp>
+          <p:nvSpPr>
+            <p:cNvPr id="87" name="TextBox 86"/>
+            <p:cNvSpPr txBox="1"/>
+            <p:nvPr/>
+          </p:nvSpPr>
+          <p:spPr>
+            <a:xfrm>
+              <a:off x="3726572" y="2080541"/>
+              <a:ext cx="1546405" cy="592470"/>
+            </a:xfrm>
+            <a:prstGeom prst="rect">
+              <a:avLst/>
+            </a:prstGeom>
+            <a:noFill/>
+          </p:spPr>
+          <p:txBody>
+            <a:bodyPr wrap="square" rtlCol="0">
+              <a:spAutoFit/>
+            </a:bodyPr>
+            <a:lstStyle/>
+            <a:p>
+              <a:r>
+                <a:rPr lang="en-US" sz="1625" dirty="0"/>
+                <a:t>Merge with platoon in front</a:t>
+              </a:r>
+            </a:p>
+          </p:txBody>
+        </p:sp>
+        <p:sp>
+          <p:nvSpPr>
+            <p:cNvPr id="88" name="TextBox 87"/>
+            <p:cNvSpPr txBox="1"/>
+            <p:nvPr/>
+          </p:nvSpPr>
+          <p:spPr>
+            <a:xfrm>
+              <a:off x="2284080" y="2750907"/>
+              <a:ext cx="1217834" cy="342401"/>
+            </a:xfrm>
+            <a:prstGeom prst="rect">
+              <a:avLst/>
+            </a:prstGeom>
+            <a:noFill/>
+          </p:spPr>
+          <p:txBody>
+            <a:bodyPr wrap="none" rtlCol="0">
+              <a:spAutoFit/>
+            </a:bodyPr>
+            <a:lstStyle/>
+            <a:p>
+              <a:r>
+                <a:rPr lang="en-US" sz="1625" dirty="0"/>
+                <a:t>Join platoon</a:t>
+              </a:r>
+            </a:p>
+          </p:txBody>
+        </p:sp>
+        <p:cxnSp>
+          <p:nvCxnSpPr>
+            <p:cNvPr id="89" name="Curved Connector 88"/>
+            <p:cNvCxnSpPr>
+              <a:stCxn id="72" idx="0"/>
+              <a:endCxn id="72" idx="7"/>
+            </p:cNvCxnSpPr>
+            <p:nvPr/>
+          </p:nvCxnSpPr>
+          <p:spPr>
+            <a:xfrm rot="16200000" flipH="1">
+              <a:off x="3701771" y="522273"/>
+              <a:ext cx="169544" cy="808223"/>
+            </a:xfrm>
+            <a:prstGeom prst="curvedConnector3">
+              <a:avLst>
+                <a:gd name="adj1" fmla="val -134832"/>
+              </a:avLst>
+            </a:prstGeom>
+            <a:ln>
+              <a:tailEnd type="triangle" w="lg" len="lg"/>
+            </a:ln>
+          </p:spPr>
+          <p:style>
+            <a:lnRef idx="1">
+              <a:schemeClr val="dk1"/>
+            </a:lnRef>
+            <a:fillRef idx="0">
+              <a:schemeClr val="dk1"/>
+            </a:fillRef>
+            <a:effectRef idx="0">
+              <a:schemeClr val="dk1"/>
+            </a:effectRef>
+            <a:fontRef idx="minor">
+              <a:schemeClr val="tx1"/>
+            </a:fontRef>
+          </p:style>
+        </p:cxnSp>
+        <p:sp>
+          <p:nvSpPr>
+            <p:cNvPr id="90" name="TextBox 89"/>
+            <p:cNvSpPr txBox="1"/>
+            <p:nvPr/>
+          </p:nvSpPr>
+          <p:spPr>
+            <a:xfrm>
+              <a:off x="3150948" y="354741"/>
+              <a:ext cx="1571624" cy="342401"/>
+            </a:xfrm>
+            <a:prstGeom prst="rect">
+              <a:avLst/>
+            </a:prstGeom>
+            <a:noFill/>
+          </p:spPr>
+          <p:txBody>
+            <a:bodyPr wrap="square" rtlCol="0">
+              <a:spAutoFit/>
+            </a:bodyPr>
+            <a:lstStyle/>
+            <a:p>
+              <a:r>
+                <a:rPr lang="en-US" sz="1625" dirty="0"/>
+                <a:t>Follow highway</a:t>
+              </a:r>
+            </a:p>
+          </p:txBody>
+        </p:sp>
+        <p:cxnSp>
+          <p:nvCxnSpPr>
+            <p:cNvPr id="91" name="Curved Connector 90"/>
+            <p:cNvCxnSpPr>
+              <a:stCxn id="73" idx="7"/>
+              <a:endCxn id="73" idx="6"/>
+            </p:cNvCxnSpPr>
+            <p:nvPr/>
+          </p:nvCxnSpPr>
+          <p:spPr>
+            <a:xfrm rot="16200000" flipH="1">
+              <a:off x="7235580" y="2648873"/>
+              <a:ext cx="409316" cy="334777"/>
+            </a:xfrm>
+            <a:prstGeom prst="curvedConnector4">
+              <a:avLst>
+                <a:gd name="adj1" fmla="val -97271"/>
+                <a:gd name="adj2" fmla="val 168284"/>
+              </a:avLst>
+            </a:prstGeom>
+            <a:ln>
+              <a:tailEnd type="triangle" w="lg" len="lg"/>
+            </a:ln>
+          </p:spPr>
+          <p:style>
+            <a:lnRef idx="1">
+              <a:schemeClr val="dk1"/>
+            </a:lnRef>
+            <a:fillRef idx="0">
+              <a:schemeClr val="dk1"/>
+            </a:fillRef>
+            <a:effectRef idx="0">
+              <a:schemeClr val="dk1"/>
+            </a:effectRef>
+            <a:fontRef idx="minor">
+              <a:schemeClr val="tx1"/>
+            </a:fontRef>
+          </p:style>
+        </p:cxnSp>
+        <p:sp>
+          <p:nvSpPr>
+            <p:cNvPr id="92" name="TextBox 91"/>
+            <p:cNvSpPr txBox="1"/>
+            <p:nvPr/>
+          </p:nvSpPr>
+          <p:spPr>
+            <a:xfrm>
+              <a:off x="7272849" y="1940122"/>
+              <a:ext cx="1571624" cy="342401"/>
+            </a:xfrm>
+            <a:prstGeom prst="rect">
+              <a:avLst/>
+            </a:prstGeom>
+            <a:noFill/>
+          </p:spPr>
+          <p:txBody>
+            <a:bodyPr wrap="square" rtlCol="0">
+              <a:spAutoFit/>
+            </a:bodyPr>
+            <a:lstStyle/>
+            <a:p>
+              <a:r>
+                <a:rPr lang="en-US" sz="1625" dirty="0"/>
+                <a:t>Follow platoon</a:t>
+              </a:r>
+            </a:p>
+          </p:txBody>
+        </p:sp>
+        <p:sp>
+          <p:nvSpPr>
+            <p:cNvPr id="93" name="TextBox 92"/>
+            <p:cNvSpPr txBox="1"/>
+            <p:nvPr/>
+          </p:nvSpPr>
+          <p:spPr>
+            <a:xfrm>
+              <a:off x="4261098" y="3279859"/>
+              <a:ext cx="1415516" cy="342401"/>
+            </a:xfrm>
+            <a:prstGeom prst="rect">
+              <a:avLst/>
+            </a:prstGeom>
+            <a:noFill/>
+          </p:spPr>
+          <p:txBody>
+            <a:bodyPr wrap="none" rtlCol="0">
+              <a:spAutoFit/>
+            </a:bodyPr>
+            <a:lstStyle/>
+            <a:p>
+              <a:r>
+                <a:rPr lang="en-US" sz="1625" dirty="0"/>
+                <a:t>Leave highway</a:t>
+              </a:r>
+            </a:p>
+          </p:txBody>
+        </p:sp>
+      </p:grpSp>
     </p:spTree>
     <p:extLst>
       <p:ext uri="{BB962C8B-B14F-4D97-AF65-F5344CB8AC3E}">
